--- a/2.2.pptx
+++ b/2.2.pptx
@@ -16,6 +16,14 @@
     <p:sldId id="264" r:id="rId10"/>
     <p:sldId id="265" r:id="rId11"/>
     <p:sldId id="266" r:id="rId12"/>
+    <p:sldId id="270" r:id="rId13"/>
+    <p:sldId id="267" r:id="rId14"/>
+    <p:sldId id="268" r:id="rId15"/>
+    <p:sldId id="269" r:id="rId16"/>
+    <p:sldId id="271" r:id="rId17"/>
+    <p:sldId id="272" r:id="rId18"/>
+    <p:sldId id="273" r:id="rId19"/>
+    <p:sldId id="274" r:id="rId20"/>
   </p:sldIdLst>
   <p:sldSz cx="12192000" cy="6858000"/>
   <p:notesSz cx="6858000" cy="9144000"/>
@@ -114,6 +122,11 @@
       </a:defRPr>
     </a:lvl9pPr>
   </p:defaultTextStyle>
+  <p:extLst>
+    <p:ext uri="{EFAFB233-063F-42B5-8137-9DF3F51BA10A}">
+      <p15:sldGuideLst xmlns:p15="http://schemas.microsoft.com/office/powerpoint/2012/main"/>
+    </p:ext>
+  </p:extLst>
 </p:presentation>
 </file>
 
@@ -266,7 +279,7 @@
           <a:p>
             <a:fld id="{F289D476-AF95-4622-859A-ED535961BC99}" type="datetimeFigureOut">
               <a:rPr lang="en-IN" smtClean="0"/>
-              <a:t>30-01-2025</a:t>
+              <a:t>02-02-2025</a:t>
             </a:fld>
             <a:endParaRPr lang="en-IN"/>
           </a:p>
@@ -466,7 +479,7 @@
           <a:p>
             <a:fld id="{F289D476-AF95-4622-859A-ED535961BC99}" type="datetimeFigureOut">
               <a:rPr lang="en-IN" smtClean="0"/>
-              <a:t>30-01-2025</a:t>
+              <a:t>02-02-2025</a:t>
             </a:fld>
             <a:endParaRPr lang="en-IN"/>
           </a:p>
@@ -676,7 +689,7 @@
           <a:p>
             <a:fld id="{F289D476-AF95-4622-859A-ED535961BC99}" type="datetimeFigureOut">
               <a:rPr lang="en-IN" smtClean="0"/>
-              <a:t>30-01-2025</a:t>
+              <a:t>02-02-2025</a:t>
             </a:fld>
             <a:endParaRPr lang="en-IN"/>
           </a:p>
@@ -876,7 +889,7 @@
           <a:p>
             <a:fld id="{F289D476-AF95-4622-859A-ED535961BC99}" type="datetimeFigureOut">
               <a:rPr lang="en-IN" smtClean="0"/>
-              <a:t>30-01-2025</a:t>
+              <a:t>02-02-2025</a:t>
             </a:fld>
             <a:endParaRPr lang="en-IN"/>
           </a:p>
@@ -1152,7 +1165,7 @@
           <a:p>
             <a:fld id="{F289D476-AF95-4622-859A-ED535961BC99}" type="datetimeFigureOut">
               <a:rPr lang="en-IN" smtClean="0"/>
-              <a:t>30-01-2025</a:t>
+              <a:t>02-02-2025</a:t>
             </a:fld>
             <a:endParaRPr lang="en-IN"/>
           </a:p>
@@ -1420,7 +1433,7 @@
           <a:p>
             <a:fld id="{F289D476-AF95-4622-859A-ED535961BC99}" type="datetimeFigureOut">
               <a:rPr lang="en-IN" smtClean="0"/>
-              <a:t>30-01-2025</a:t>
+              <a:t>02-02-2025</a:t>
             </a:fld>
             <a:endParaRPr lang="en-IN"/>
           </a:p>
@@ -1835,7 +1848,7 @@
           <a:p>
             <a:fld id="{F289D476-AF95-4622-859A-ED535961BC99}" type="datetimeFigureOut">
               <a:rPr lang="en-IN" smtClean="0"/>
-              <a:t>30-01-2025</a:t>
+              <a:t>02-02-2025</a:t>
             </a:fld>
             <a:endParaRPr lang="en-IN"/>
           </a:p>
@@ -1977,7 +1990,7 @@
           <a:p>
             <a:fld id="{F289D476-AF95-4622-859A-ED535961BC99}" type="datetimeFigureOut">
               <a:rPr lang="en-IN" smtClean="0"/>
-              <a:t>30-01-2025</a:t>
+              <a:t>02-02-2025</a:t>
             </a:fld>
             <a:endParaRPr lang="en-IN"/>
           </a:p>
@@ -2090,7 +2103,7 @@
           <a:p>
             <a:fld id="{F289D476-AF95-4622-859A-ED535961BC99}" type="datetimeFigureOut">
               <a:rPr lang="en-IN" smtClean="0"/>
-              <a:t>30-01-2025</a:t>
+              <a:t>02-02-2025</a:t>
             </a:fld>
             <a:endParaRPr lang="en-IN"/>
           </a:p>
@@ -2403,7 +2416,7 @@
           <a:p>
             <a:fld id="{F289D476-AF95-4622-859A-ED535961BC99}" type="datetimeFigureOut">
               <a:rPr lang="en-IN" smtClean="0"/>
-              <a:t>30-01-2025</a:t>
+              <a:t>02-02-2025</a:t>
             </a:fld>
             <a:endParaRPr lang="en-IN"/>
           </a:p>
@@ -2692,7 +2705,7 @@
           <a:p>
             <a:fld id="{F289D476-AF95-4622-859A-ED535961BC99}" type="datetimeFigureOut">
               <a:rPr lang="en-IN" smtClean="0"/>
-              <a:t>30-01-2025</a:t>
+              <a:t>02-02-2025</a:t>
             </a:fld>
             <a:endParaRPr lang="en-IN"/>
           </a:p>
@@ -2935,7 +2948,7 @@
           <a:p>
             <a:fld id="{F289D476-AF95-4622-859A-ED535961BC99}" type="datetimeFigureOut">
               <a:rPr lang="en-IN" smtClean="0"/>
-              <a:t>30-01-2025</a:t>
+              <a:t>02-02-2025</a:t>
             </a:fld>
             <a:endParaRPr lang="en-IN"/>
           </a:p>
@@ -3503,10 +3516,488 @@
           <a:chExt cx="0" cy="0"/>
         </a:xfrm>
       </p:grpSpPr>
+      <p:pic>
+        <p:nvPicPr>
+          <p:cNvPr id="5" name="Picture 4">
+            <a:extLst>
+              <a:ext uri="{FF2B5EF4-FFF2-40B4-BE49-F238E27FC236}">
+                <a16:creationId xmlns:a16="http://schemas.microsoft.com/office/drawing/2014/main" id="{6CB586C2-FA1D-07B0-273F-0BAE40CF4D3F}"/>
+              </a:ext>
+            </a:extLst>
+          </p:cNvPr>
+          <p:cNvPicPr>
+            <a:picLocks noChangeAspect="1"/>
+          </p:cNvPicPr>
+          <p:nvPr/>
+        </p:nvPicPr>
+        <p:blipFill>
+          <a:blip r:embed="rId2"/>
+          <a:stretch>
+            <a:fillRect/>
+          </a:stretch>
+        </p:blipFill>
+        <p:spPr>
+          <a:xfrm>
+            <a:off x="409073" y="641684"/>
+            <a:ext cx="11373853" cy="5165558"/>
+          </a:xfrm>
+          <a:prstGeom prst="rect">
+            <a:avLst/>
+          </a:prstGeom>
+        </p:spPr>
+      </p:pic>
     </p:spTree>
     <p:extLst>
       <p:ext uri="{BB962C8B-B14F-4D97-AF65-F5344CB8AC3E}">
         <p14:creationId xmlns:p14="http://schemas.microsoft.com/office/powerpoint/2010/main" val="758308716"/>
+      </p:ext>
+    </p:extLst>
+  </p:cSld>
+  <p:clrMapOvr>
+    <a:masterClrMapping/>
+  </p:clrMapOvr>
+</p:sld>
+</file>
+
+<file path=ppt/slides/slide12.xml><?xml version="1.0" encoding="utf-8"?>
+<p:sld xmlns:a="http://schemas.openxmlformats.org/drawingml/2006/main" xmlns:r="http://schemas.openxmlformats.org/officeDocument/2006/relationships" xmlns:p="http://schemas.openxmlformats.org/presentationml/2006/main">
+  <p:cSld>
+    <p:spTree>
+      <p:nvGrpSpPr>
+        <p:cNvPr id="1" name=""/>
+        <p:cNvGrpSpPr/>
+        <p:nvPr/>
+      </p:nvGrpSpPr>
+      <p:grpSpPr>
+        <a:xfrm>
+          <a:off x="0" y="0"/>
+          <a:ext cx="0" cy="0"/>
+          <a:chOff x="0" y="0"/>
+          <a:chExt cx="0" cy="0"/>
+        </a:xfrm>
+      </p:grpSpPr>
+      <p:pic>
+        <p:nvPicPr>
+          <p:cNvPr id="3" name="Picture 2">
+            <a:extLst>
+              <a:ext uri="{FF2B5EF4-FFF2-40B4-BE49-F238E27FC236}">
+                <a16:creationId xmlns:a16="http://schemas.microsoft.com/office/drawing/2014/main" id="{82B2467E-CA9B-54F2-4C28-7F3BED08099B}"/>
+              </a:ext>
+            </a:extLst>
+          </p:cNvPr>
+          <p:cNvPicPr>
+            <a:picLocks noChangeAspect="1"/>
+          </p:cNvPicPr>
+          <p:nvPr/>
+        </p:nvPicPr>
+        <p:blipFill>
+          <a:blip r:embed="rId2"/>
+          <a:srcRect l="2237" t="16487"/>
+          <a:stretch/>
+        </p:blipFill>
+        <p:spPr>
+          <a:xfrm>
+            <a:off x="0" y="855503"/>
+            <a:ext cx="11919284" cy="5146993"/>
+          </a:xfrm>
+          <a:prstGeom prst="rect">
+            <a:avLst/>
+          </a:prstGeom>
+        </p:spPr>
+      </p:pic>
+    </p:spTree>
+    <p:extLst>
+      <p:ext uri="{BB962C8B-B14F-4D97-AF65-F5344CB8AC3E}">
+        <p14:creationId xmlns:p14="http://schemas.microsoft.com/office/powerpoint/2010/main" val="2517657561"/>
+      </p:ext>
+    </p:extLst>
+  </p:cSld>
+  <p:clrMapOvr>
+    <a:masterClrMapping/>
+  </p:clrMapOvr>
+</p:sld>
+</file>
+
+<file path=ppt/slides/slide13.xml><?xml version="1.0" encoding="utf-8"?>
+<p:sld xmlns:a="http://schemas.openxmlformats.org/drawingml/2006/main" xmlns:r="http://schemas.openxmlformats.org/officeDocument/2006/relationships" xmlns:p="http://schemas.openxmlformats.org/presentationml/2006/main">
+  <p:cSld>
+    <p:spTree>
+      <p:nvGrpSpPr>
+        <p:cNvPr id="1" name=""/>
+        <p:cNvGrpSpPr/>
+        <p:nvPr/>
+      </p:nvGrpSpPr>
+      <p:grpSpPr>
+        <a:xfrm>
+          <a:off x="0" y="0"/>
+          <a:ext cx="0" cy="0"/>
+          <a:chOff x="0" y="0"/>
+          <a:chExt cx="0" cy="0"/>
+        </a:xfrm>
+      </p:grpSpPr>
+      <p:pic>
+        <p:nvPicPr>
+          <p:cNvPr id="3" name="Picture 2">
+            <a:extLst>
+              <a:ext uri="{FF2B5EF4-FFF2-40B4-BE49-F238E27FC236}">
+                <a16:creationId xmlns:a16="http://schemas.microsoft.com/office/drawing/2014/main" id="{FF60C9E2-CE37-C016-CA9B-94230771BBFB}"/>
+              </a:ext>
+            </a:extLst>
+          </p:cNvPr>
+          <p:cNvPicPr>
+            <a:picLocks noChangeAspect="1"/>
+          </p:cNvPicPr>
+          <p:nvPr/>
+        </p:nvPicPr>
+        <p:blipFill>
+          <a:blip r:embed="rId2"/>
+          <a:stretch>
+            <a:fillRect/>
+          </a:stretch>
+        </p:blipFill>
+        <p:spPr>
+          <a:xfrm>
+            <a:off x="401052" y="818149"/>
+            <a:ext cx="11389895" cy="3747712"/>
+          </a:xfrm>
+          <a:prstGeom prst="rect">
+            <a:avLst/>
+          </a:prstGeom>
+        </p:spPr>
+      </p:pic>
+    </p:spTree>
+    <p:extLst>
+      <p:ext uri="{BB962C8B-B14F-4D97-AF65-F5344CB8AC3E}">
+        <p14:creationId xmlns:p14="http://schemas.microsoft.com/office/powerpoint/2010/main" val="1623253620"/>
+      </p:ext>
+    </p:extLst>
+  </p:cSld>
+  <p:clrMapOvr>
+    <a:masterClrMapping/>
+  </p:clrMapOvr>
+</p:sld>
+</file>
+
+<file path=ppt/slides/slide14.xml><?xml version="1.0" encoding="utf-8"?>
+<p:sld xmlns:a="http://schemas.openxmlformats.org/drawingml/2006/main" xmlns:r="http://schemas.openxmlformats.org/officeDocument/2006/relationships" xmlns:p="http://schemas.openxmlformats.org/presentationml/2006/main">
+  <p:cSld>
+    <p:spTree>
+      <p:nvGrpSpPr>
+        <p:cNvPr id="1" name=""/>
+        <p:cNvGrpSpPr/>
+        <p:nvPr/>
+      </p:nvGrpSpPr>
+      <p:grpSpPr>
+        <a:xfrm>
+          <a:off x="0" y="0"/>
+          <a:ext cx="0" cy="0"/>
+          <a:chOff x="0" y="0"/>
+          <a:chExt cx="0" cy="0"/>
+        </a:xfrm>
+      </p:grpSpPr>
+      <p:pic>
+        <p:nvPicPr>
+          <p:cNvPr id="3" name="Picture 2">
+            <a:extLst>
+              <a:ext uri="{FF2B5EF4-FFF2-40B4-BE49-F238E27FC236}">
+                <a16:creationId xmlns:a16="http://schemas.microsoft.com/office/drawing/2014/main" id="{F695D077-ADC3-154E-1D57-9ACBE879A1F7}"/>
+              </a:ext>
+            </a:extLst>
+          </p:cNvPr>
+          <p:cNvPicPr>
+            <a:picLocks noChangeAspect="1"/>
+          </p:cNvPicPr>
+          <p:nvPr/>
+        </p:nvPicPr>
+        <p:blipFill>
+          <a:blip r:embed="rId2"/>
+          <a:stretch>
+            <a:fillRect/>
+          </a:stretch>
+        </p:blipFill>
+        <p:spPr>
+          <a:xfrm>
+            <a:off x="1187117" y="481263"/>
+            <a:ext cx="10780294" cy="5486400"/>
+          </a:xfrm>
+          <a:prstGeom prst="rect">
+            <a:avLst/>
+          </a:prstGeom>
+        </p:spPr>
+      </p:pic>
+    </p:spTree>
+    <p:extLst>
+      <p:ext uri="{BB962C8B-B14F-4D97-AF65-F5344CB8AC3E}">
+        <p14:creationId xmlns:p14="http://schemas.microsoft.com/office/powerpoint/2010/main" val="679463305"/>
+      </p:ext>
+    </p:extLst>
+  </p:cSld>
+  <p:clrMapOvr>
+    <a:masterClrMapping/>
+  </p:clrMapOvr>
+</p:sld>
+</file>
+
+<file path=ppt/slides/slide15.xml><?xml version="1.0" encoding="utf-8"?>
+<p:sld xmlns:a="http://schemas.openxmlformats.org/drawingml/2006/main" xmlns:r="http://schemas.openxmlformats.org/officeDocument/2006/relationships" xmlns:p="http://schemas.openxmlformats.org/presentationml/2006/main">
+  <p:cSld>
+    <p:spTree>
+      <p:nvGrpSpPr>
+        <p:cNvPr id="1" name=""/>
+        <p:cNvGrpSpPr/>
+        <p:nvPr/>
+      </p:nvGrpSpPr>
+      <p:grpSpPr>
+        <a:xfrm>
+          <a:off x="0" y="0"/>
+          <a:ext cx="0" cy="0"/>
+          <a:chOff x="0" y="0"/>
+          <a:chExt cx="0" cy="0"/>
+        </a:xfrm>
+      </p:grpSpPr>
+      <p:pic>
+        <p:nvPicPr>
+          <p:cNvPr id="3" name="Picture 2">
+            <a:extLst>
+              <a:ext uri="{FF2B5EF4-FFF2-40B4-BE49-F238E27FC236}">
+                <a16:creationId xmlns:a16="http://schemas.microsoft.com/office/drawing/2014/main" id="{BE1E8A8D-EB22-9BF1-627D-29ACC9385006}"/>
+              </a:ext>
+            </a:extLst>
+          </p:cNvPr>
+          <p:cNvPicPr>
+            <a:picLocks noChangeAspect="1"/>
+          </p:cNvPicPr>
+          <p:nvPr/>
+        </p:nvPicPr>
+        <p:blipFill>
+          <a:blip r:embed="rId2"/>
+          <a:stretch>
+            <a:fillRect/>
+          </a:stretch>
+        </p:blipFill>
+        <p:spPr>
+          <a:xfrm>
+            <a:off x="850231" y="449179"/>
+            <a:ext cx="10491537" cy="4555958"/>
+          </a:xfrm>
+          <a:prstGeom prst="rect">
+            <a:avLst/>
+          </a:prstGeom>
+        </p:spPr>
+      </p:pic>
+    </p:spTree>
+    <p:extLst>
+      <p:ext uri="{BB962C8B-B14F-4D97-AF65-F5344CB8AC3E}">
+        <p14:creationId xmlns:p14="http://schemas.microsoft.com/office/powerpoint/2010/main" val="766649546"/>
+      </p:ext>
+    </p:extLst>
+  </p:cSld>
+  <p:clrMapOvr>
+    <a:masterClrMapping/>
+  </p:clrMapOvr>
+</p:sld>
+</file>
+
+<file path=ppt/slides/slide16.xml><?xml version="1.0" encoding="utf-8"?>
+<p:sld xmlns:a="http://schemas.openxmlformats.org/drawingml/2006/main" xmlns:r="http://schemas.openxmlformats.org/officeDocument/2006/relationships" xmlns:p="http://schemas.openxmlformats.org/presentationml/2006/main">
+  <p:cSld>
+    <p:spTree>
+      <p:nvGrpSpPr>
+        <p:cNvPr id="1" name=""/>
+        <p:cNvGrpSpPr/>
+        <p:nvPr/>
+      </p:nvGrpSpPr>
+      <p:grpSpPr>
+        <a:xfrm>
+          <a:off x="0" y="0"/>
+          <a:ext cx="0" cy="0"/>
+          <a:chOff x="0" y="0"/>
+          <a:chExt cx="0" cy="0"/>
+        </a:xfrm>
+      </p:grpSpPr>
+      <p:pic>
+        <p:nvPicPr>
+          <p:cNvPr id="3" name="Picture 2">
+            <a:extLst>
+              <a:ext uri="{FF2B5EF4-FFF2-40B4-BE49-F238E27FC236}">
+                <a16:creationId xmlns:a16="http://schemas.microsoft.com/office/drawing/2014/main" id="{2FF5CA2C-4355-23F3-E263-2A0707EFF0A9}"/>
+              </a:ext>
+            </a:extLst>
+          </p:cNvPr>
+          <p:cNvPicPr>
+            <a:picLocks noChangeAspect="1"/>
+          </p:cNvPicPr>
+          <p:nvPr/>
+        </p:nvPicPr>
+        <p:blipFill>
+          <a:blip r:embed="rId2"/>
+          <a:stretch>
+            <a:fillRect/>
+          </a:stretch>
+        </p:blipFill>
+        <p:spPr>
+          <a:xfrm>
+            <a:off x="0" y="1035582"/>
+            <a:ext cx="12192000" cy="4401826"/>
+          </a:xfrm>
+          <a:prstGeom prst="rect">
+            <a:avLst/>
+          </a:prstGeom>
+        </p:spPr>
+      </p:pic>
+    </p:spTree>
+    <p:extLst>
+      <p:ext uri="{BB962C8B-B14F-4D97-AF65-F5344CB8AC3E}">
+        <p14:creationId xmlns:p14="http://schemas.microsoft.com/office/powerpoint/2010/main" val="4244968924"/>
+      </p:ext>
+    </p:extLst>
+  </p:cSld>
+  <p:clrMapOvr>
+    <a:masterClrMapping/>
+  </p:clrMapOvr>
+</p:sld>
+</file>
+
+<file path=ppt/slides/slide17.xml><?xml version="1.0" encoding="utf-8"?>
+<p:sld xmlns:a="http://schemas.openxmlformats.org/drawingml/2006/main" xmlns:r="http://schemas.openxmlformats.org/officeDocument/2006/relationships" xmlns:p="http://schemas.openxmlformats.org/presentationml/2006/main">
+  <p:cSld>
+    <p:spTree>
+      <p:nvGrpSpPr>
+        <p:cNvPr id="1" name=""/>
+        <p:cNvGrpSpPr/>
+        <p:nvPr/>
+      </p:nvGrpSpPr>
+      <p:grpSpPr>
+        <a:xfrm>
+          <a:off x="0" y="0"/>
+          <a:ext cx="0" cy="0"/>
+          <a:chOff x="0" y="0"/>
+          <a:chExt cx="0" cy="0"/>
+        </a:xfrm>
+      </p:grpSpPr>
+      <p:pic>
+        <p:nvPicPr>
+          <p:cNvPr id="3" name="Picture 2">
+            <a:extLst>
+              <a:ext uri="{FF2B5EF4-FFF2-40B4-BE49-F238E27FC236}">
+                <a16:creationId xmlns:a16="http://schemas.microsoft.com/office/drawing/2014/main" id="{6621235B-5CBF-0518-0A71-4E8EE8F951CC}"/>
+              </a:ext>
+            </a:extLst>
+          </p:cNvPr>
+          <p:cNvPicPr>
+            <a:picLocks noChangeAspect="1"/>
+          </p:cNvPicPr>
+          <p:nvPr/>
+        </p:nvPicPr>
+        <p:blipFill>
+          <a:blip r:embed="rId2"/>
+          <a:srcRect b="25920"/>
+          <a:stretch/>
+        </p:blipFill>
+        <p:spPr>
+          <a:xfrm>
+            <a:off x="734047" y="625643"/>
+            <a:ext cx="10723905" cy="4299283"/>
+          </a:xfrm>
+          <a:prstGeom prst="rect">
+            <a:avLst/>
+          </a:prstGeom>
+        </p:spPr>
+      </p:pic>
+    </p:spTree>
+    <p:extLst>
+      <p:ext uri="{BB962C8B-B14F-4D97-AF65-F5344CB8AC3E}">
+        <p14:creationId xmlns:p14="http://schemas.microsoft.com/office/powerpoint/2010/main" val="3346890647"/>
+      </p:ext>
+    </p:extLst>
+  </p:cSld>
+  <p:clrMapOvr>
+    <a:masterClrMapping/>
+  </p:clrMapOvr>
+</p:sld>
+</file>
+
+<file path=ppt/slides/slide18.xml><?xml version="1.0" encoding="utf-8"?>
+<p:sld xmlns:a="http://schemas.openxmlformats.org/drawingml/2006/main" xmlns:r="http://schemas.openxmlformats.org/officeDocument/2006/relationships" xmlns:p="http://schemas.openxmlformats.org/presentationml/2006/main">
+  <p:cSld>
+    <p:spTree>
+      <p:nvGrpSpPr>
+        <p:cNvPr id="1" name=""/>
+        <p:cNvGrpSpPr/>
+        <p:nvPr/>
+      </p:nvGrpSpPr>
+      <p:grpSpPr>
+        <a:xfrm>
+          <a:off x="0" y="0"/>
+          <a:ext cx="0" cy="0"/>
+          <a:chOff x="0" y="0"/>
+          <a:chExt cx="0" cy="0"/>
+        </a:xfrm>
+      </p:grpSpPr>
+      <p:pic>
+        <p:nvPicPr>
+          <p:cNvPr id="3" name="Picture 2">
+            <a:extLst>
+              <a:ext uri="{FF2B5EF4-FFF2-40B4-BE49-F238E27FC236}">
+                <a16:creationId xmlns:a16="http://schemas.microsoft.com/office/drawing/2014/main" id="{BC529F47-CDBA-4226-DAF9-120794490BF2}"/>
+              </a:ext>
+            </a:extLst>
+          </p:cNvPr>
+          <p:cNvPicPr>
+            <a:picLocks noChangeAspect="1"/>
+          </p:cNvPicPr>
+          <p:nvPr/>
+        </p:nvPicPr>
+        <p:blipFill>
+          <a:blip r:embed="rId2"/>
+          <a:stretch>
+            <a:fillRect/>
+          </a:stretch>
+        </p:blipFill>
+        <p:spPr>
+          <a:xfrm>
+            <a:off x="625642" y="802105"/>
+            <a:ext cx="10972800" cy="4299283"/>
+          </a:xfrm>
+          <a:prstGeom prst="rect">
+            <a:avLst/>
+          </a:prstGeom>
+        </p:spPr>
+      </p:pic>
+    </p:spTree>
+    <p:extLst>
+      <p:ext uri="{BB962C8B-B14F-4D97-AF65-F5344CB8AC3E}">
+        <p14:creationId xmlns:p14="http://schemas.microsoft.com/office/powerpoint/2010/main" val="1154134498"/>
+      </p:ext>
+    </p:extLst>
+  </p:cSld>
+  <p:clrMapOvr>
+    <a:masterClrMapping/>
+  </p:clrMapOvr>
+</p:sld>
+</file>
+
+<file path=ppt/slides/slide19.xml><?xml version="1.0" encoding="utf-8"?>
+<p:sld xmlns:a="http://schemas.openxmlformats.org/drawingml/2006/main" xmlns:r="http://schemas.openxmlformats.org/officeDocument/2006/relationships" xmlns:p="http://schemas.openxmlformats.org/presentationml/2006/main">
+  <p:cSld>
+    <p:spTree>
+      <p:nvGrpSpPr>
+        <p:cNvPr id="1" name=""/>
+        <p:cNvGrpSpPr/>
+        <p:nvPr/>
+      </p:nvGrpSpPr>
+      <p:grpSpPr>
+        <a:xfrm>
+          <a:off x="0" y="0"/>
+          <a:ext cx="0" cy="0"/>
+          <a:chOff x="0" y="0"/>
+          <a:chExt cx="0" cy="0"/>
+        </a:xfrm>
+      </p:grpSpPr>
+    </p:spTree>
+    <p:extLst>
+      <p:ext uri="{BB962C8B-B14F-4D97-AF65-F5344CB8AC3E}">
+        <p14:creationId xmlns:p14="http://schemas.microsoft.com/office/powerpoint/2010/main" val="4175925519"/>
       </p:ext>
     </p:extLst>
   </p:cSld>
